--- a/NidhiOjha-Project1-Covid19_Layoffs.pptx
+++ b/NidhiOjha-Project1-Covid19_Layoffs.pptx
@@ -291,7 +291,7 @@
           <a:p>
             <a:fld id="{BC1C655F-54C7-4D03-AD26-E0C40F01563A}" type="datetimeFigureOut">
               <a:rPr lang="id-ID" smtClean="0"/>
-              <a:t>21/10/2023</a:t>
+              <a:t>24/10/2023</a:t>
             </a:fld>
             <a:endParaRPr lang="id-ID"/>
           </a:p>
@@ -690,7 +690,7 @@
           <a:p>
             <a:fld id="{14F96FE2-9E77-4834-9C6B-212E1056298F}" type="datetimeFigureOut">
               <a:rPr lang="en-US" smtClean="0"/>
-              <a:t>10/21/2023</a:t>
+              <a:t>10/24/2023</a:t>
             </a:fld>
             <a:endParaRPr lang="en-US" dirty="0"/>
           </a:p>
@@ -947,7 +947,7 @@
           <a:p>
             <a:fld id="{14F96FE2-9E77-4834-9C6B-212E1056298F}" type="datetimeFigureOut">
               <a:rPr lang="en-US" smtClean="0"/>
-              <a:t>10/21/2023</a:t>
+              <a:t>10/24/2023</a:t>
             </a:fld>
             <a:endParaRPr lang="en-US" dirty="0"/>
           </a:p>
@@ -1117,7 +1117,7 @@
           <a:p>
             <a:fld id="{14F96FE2-9E77-4834-9C6B-212E1056298F}" type="datetimeFigureOut">
               <a:rPr lang="en-US" smtClean="0"/>
-              <a:t>10/21/2023</a:t>
+              <a:t>10/24/2023</a:t>
             </a:fld>
             <a:endParaRPr lang="en-US" dirty="0"/>
           </a:p>
@@ -1297,7 +1297,7 @@
           <a:p>
             <a:fld id="{14F96FE2-9E77-4834-9C6B-212E1056298F}" type="datetimeFigureOut">
               <a:rPr lang="en-US" smtClean="0"/>
-              <a:t>10/21/2023</a:t>
+              <a:t>10/24/2023</a:t>
             </a:fld>
             <a:endParaRPr lang="en-US" dirty="0"/>
           </a:p>
@@ -1467,7 +1467,7 @@
           <a:p>
             <a:fld id="{14F96FE2-9E77-4834-9C6B-212E1056298F}" type="datetimeFigureOut">
               <a:rPr lang="en-US" smtClean="0"/>
-              <a:t>10/21/2023</a:t>
+              <a:t>10/24/2023</a:t>
             </a:fld>
             <a:endParaRPr lang="en-US" dirty="0"/>
           </a:p>
@@ -1713,7 +1713,7 @@
           <a:p>
             <a:fld id="{14F96FE2-9E77-4834-9C6B-212E1056298F}" type="datetimeFigureOut">
               <a:rPr lang="en-US" smtClean="0"/>
-              <a:t>10/21/2023</a:t>
+              <a:t>10/24/2023</a:t>
             </a:fld>
             <a:endParaRPr lang="en-US" dirty="0"/>
           </a:p>
@@ -1945,7 +1945,7 @@
           <a:p>
             <a:fld id="{14F96FE2-9E77-4834-9C6B-212E1056298F}" type="datetimeFigureOut">
               <a:rPr lang="en-US" smtClean="0"/>
-              <a:t>10/21/2023</a:t>
+              <a:t>10/24/2023</a:t>
             </a:fld>
             <a:endParaRPr lang="en-US" dirty="0"/>
           </a:p>
@@ -2312,7 +2312,7 @@
           <a:p>
             <a:fld id="{14F96FE2-9E77-4834-9C6B-212E1056298F}" type="datetimeFigureOut">
               <a:rPr lang="en-US" smtClean="0"/>
-              <a:t>10/21/2023</a:t>
+              <a:t>10/24/2023</a:t>
             </a:fld>
             <a:endParaRPr lang="en-US" dirty="0"/>
           </a:p>
@@ -2430,7 +2430,7 @@
           <a:p>
             <a:fld id="{14F96FE2-9E77-4834-9C6B-212E1056298F}" type="datetimeFigureOut">
               <a:rPr lang="en-US" smtClean="0"/>
-              <a:t>10/21/2023</a:t>
+              <a:t>10/24/2023</a:t>
             </a:fld>
             <a:endParaRPr lang="en-US" dirty="0"/>
           </a:p>
@@ -2525,7 +2525,7 @@
           <a:p>
             <a:fld id="{14F96FE2-9E77-4834-9C6B-212E1056298F}" type="datetimeFigureOut">
               <a:rPr lang="en-US" smtClean="0"/>
-              <a:t>10/21/2023</a:t>
+              <a:t>10/24/2023</a:t>
             </a:fld>
             <a:endParaRPr lang="en-US" dirty="0"/>
           </a:p>
@@ -2828,7 +2828,7 @@
           <a:p>
             <a:fld id="{14F96FE2-9E77-4834-9C6B-212E1056298F}" type="datetimeFigureOut">
               <a:rPr lang="en-US" smtClean="0"/>
-              <a:t>10/21/2023</a:t>
+              <a:t>10/24/2023</a:t>
             </a:fld>
             <a:endParaRPr lang="en-US" dirty="0"/>
           </a:p>
@@ -3521,7 +3521,7 @@
           <a:p>
             <a:fld id="{14F96FE2-9E77-4834-9C6B-212E1056298F}" type="datetimeFigureOut">
               <a:rPr lang="en-US" smtClean="0"/>
-              <a:t>10/21/2023</a:t>
+              <a:t>10/24/2023</a:t>
             </a:fld>
             <a:endParaRPr lang="en-US" dirty="0"/>
           </a:p>
@@ -3737,7 +3737,7 @@
           <a:p>
             <a:fld id="{14F96FE2-9E77-4834-9C6B-212E1056298F}" type="datetimeFigureOut">
               <a:rPr lang="en-US" smtClean="0"/>
-              <a:t>10/21/2023</a:t>
+              <a:t>10/24/2023</a:t>
             </a:fld>
             <a:endParaRPr lang="en-US" dirty="0"/>
           </a:p>
@@ -4615,8 +4615,8 @@
         </p:nvSpPr>
         <p:spPr>
           <a:xfrm>
-            <a:off x="2782513" y="165381"/>
-            <a:ext cx="6627007" cy="492443"/>
+            <a:off x="2732124" y="165381"/>
+            <a:ext cx="6727804" cy="492443"/>
           </a:xfrm>
           <a:prstGeom prst="rect">
             <a:avLst/>
@@ -4642,7 +4642,17 @@
                   </a:schemeClr>
                 </a:solidFill>
               </a:rPr>
-              <a:t>Data Analysis | ROW – layoffs by year</a:t>
+              <a:t>Data Analysis | </a:t>
+            </a:r>
+            <a:r>
+              <a:rPr lang="en-US" sz="1600" b="1" dirty="0">
+                <a:solidFill>
+                  <a:schemeClr val="accent5">
+                    <a:lumMod val="75000"/>
+                  </a:schemeClr>
+                </a:solidFill>
+              </a:rPr>
+              <a:t>Layoffs across industries and companies in ROW</a:t>
             </a:r>
           </a:p>
         </p:txBody>
@@ -9668,8 +9678,8 @@
         </p:nvSpPr>
         <p:spPr>
           <a:xfrm>
-            <a:off x="4188637" y="165381"/>
-            <a:ext cx="3814762" cy="492443"/>
+            <a:off x="2700167" y="165381"/>
+            <a:ext cx="6791731" cy="492443"/>
           </a:xfrm>
           <a:prstGeom prst="rect">
             <a:avLst/>
@@ -9695,7 +9705,17 @@
                   </a:schemeClr>
                 </a:solidFill>
               </a:rPr>
-              <a:t>Data Analysis | Top 10</a:t>
+              <a:t>Data Analysis | </a:t>
+            </a:r>
+            <a:r>
+              <a:rPr lang="en-US" sz="1600" b="1" dirty="0">
+                <a:solidFill>
+                  <a:schemeClr val="accent5">
+                    <a:lumMod val="75000"/>
+                  </a:schemeClr>
+                </a:solidFill>
+              </a:rPr>
+              <a:t>Top 10 Countries, Industries and Stages Impacted</a:t>
             </a:r>
           </a:p>
         </p:txBody>
@@ -10157,8 +10177,8 @@
         </p:nvSpPr>
         <p:spPr>
           <a:xfrm>
-            <a:off x="2329779" y="165381"/>
-            <a:ext cx="7532511" cy="492443"/>
+            <a:off x="2602366" y="165381"/>
+            <a:ext cx="6987362" cy="492443"/>
           </a:xfrm>
           <a:prstGeom prst="rect">
             <a:avLst/>
@@ -10184,7 +10204,17 @@
                   </a:schemeClr>
                 </a:solidFill>
               </a:rPr>
-              <a:t>Data Analysis | Time Series since Covid-19</a:t>
+              <a:t>Data Analysis | </a:t>
+            </a:r>
+            <a:r>
+              <a:rPr lang="en-US" sz="1600" b="1" dirty="0">
+                <a:solidFill>
+                  <a:schemeClr val="accent5">
+                    <a:lumMod val="75000"/>
+                  </a:schemeClr>
+                </a:solidFill>
+              </a:rPr>
+              <a:t>Impact over the time in USA and Rest of the World </a:t>
             </a:r>
           </a:p>
         </p:txBody>
@@ -10562,8 +10592,8 @@
         </p:nvSpPr>
         <p:spPr>
           <a:xfrm>
-            <a:off x="1861902" y="165381"/>
-            <a:ext cx="8468280" cy="492443"/>
+            <a:off x="2896999" y="165381"/>
+            <a:ext cx="6398098" cy="492443"/>
           </a:xfrm>
           <a:prstGeom prst="rect">
             <a:avLst/>
@@ -10589,7 +10619,17 @@
                   </a:schemeClr>
                 </a:solidFill>
               </a:rPr>
-              <a:t>Data Analysis | USA vs ROW, how they stack up</a:t>
+              <a:t>Data Analysis | </a:t>
+            </a:r>
+            <a:r>
+              <a:rPr lang="en-US" sz="1600" b="1" dirty="0">
+                <a:solidFill>
+                  <a:schemeClr val="accent5">
+                    <a:lumMod val="75000"/>
+                  </a:schemeClr>
+                </a:solidFill>
+              </a:rPr>
+              <a:t>How industries across USA vs ROW stack up?</a:t>
             </a:r>
           </a:p>
         </p:txBody>
@@ -10931,8 +10971,8 @@
         </p:nvSpPr>
         <p:spPr>
           <a:xfrm>
-            <a:off x="2872280" y="165381"/>
-            <a:ext cx="6447471" cy="492443"/>
+            <a:off x="2777003" y="165381"/>
+            <a:ext cx="6638036" cy="492443"/>
           </a:xfrm>
           <a:prstGeom prst="rect">
             <a:avLst/>
@@ -10958,7 +10998,17 @@
                   </a:schemeClr>
                 </a:solidFill>
               </a:rPr>
-              <a:t>Data Analysis | USA – layoffs by year</a:t>
+              <a:t>Data Analysis | </a:t>
+            </a:r>
+            <a:r>
+              <a:rPr lang="en-US" sz="1600" b="1" dirty="0">
+                <a:solidFill>
+                  <a:schemeClr val="accent5">
+                    <a:lumMod val="75000"/>
+                  </a:schemeClr>
+                </a:solidFill>
+              </a:rPr>
+              <a:t>Layoffs in USA across companies and industries</a:t>
             </a:r>
           </a:p>
         </p:txBody>
